--- a/Hala Aye Capstone Project/Hala-Aye-Capstone-Presentation.pptx
+++ b/Hala Aye Capstone Project/Hala-Aye-Capstone-Presentation.pptx
@@ -10910,7 +10910,7 @@
           <a:p>
             <a:pPr algn="ctr"/>
             <a:br>
-              <a:rPr lang="en-US" sz="4000" i="0" u="none" strike="noStrike" baseline="0" dirty="0">
+              <a:rPr lang="en-US" sz="4000" dirty="0">
                 <a:solidFill>
                   <a:schemeClr val="bg1"/>
                 </a:solidFill>
@@ -10918,6 +10918,16 @@
                 <a:cs typeface="Times New Roman" panose="02020603050405020304" pitchFamily="18" charset="0"/>
               </a:rPr>
             </a:br>
+            <a:r>
+              <a:rPr lang="en-US" sz="4000" dirty="0">
+                <a:solidFill>
+                  <a:schemeClr val="bg1"/>
+                </a:solidFill>
+                <a:latin typeface="Times New Roman" panose="02020603050405020304" pitchFamily="18" charset="0"/>
+                <a:cs typeface="Times New Roman" panose="02020603050405020304" pitchFamily="18" charset="0"/>
+              </a:rPr>
+              <a:t> </a:t>
+            </a:r>
             <a:r>
               <a:rPr lang="en-US" sz="4000" i="0" u="none" strike="noStrike" baseline="0" dirty="0">
                 <a:solidFill>
@@ -11104,7 +11114,7 @@
                 <a:latin typeface="Times New Roman" panose="02020603050405020304" pitchFamily="18" charset="0"/>
                 <a:cs typeface="Times New Roman" panose="02020603050405020304" pitchFamily="18" charset="0"/>
               </a:rPr>
-              <a:t>3) Feature Selection and Principal Component </a:t>
+              <a:t> 3) Feature Selection and Principal Component </a:t>
             </a:r>
             <a:r>
               <a:rPr lang="en-US" sz="4000" dirty="0">
@@ -11665,7 +11675,7 @@
                 </a:solidFill>
                 <a:latin typeface="Times New Roman" panose="02020603050405020304" pitchFamily="18" charset="0"/>
               </a:rPr>
-              <a:t>4) Classifiers Selection and Model Building </a:t>
+              <a:t>  4) Classifiers Selection and Model Building </a:t>
             </a:r>
             <a:endParaRPr lang="en-US" sz="4000" dirty="0">
               <a:solidFill>
@@ -17485,13 +17495,13 @@
           </a:lstStyle>
           <a:p>
             <a:r>
-              <a:rPr lang="en-US" sz="5400" dirty="0">
+              <a:rPr lang="en-US" sz="5400" b="1" dirty="0">
                 <a:solidFill>
                   <a:schemeClr val="bg1"/>
                 </a:solidFill>
                 <a:latin typeface="Times New Roman" panose="02020603050405020304" pitchFamily="18" charset="0"/>
               </a:rPr>
-              <a:t> </a:t>
+              <a:t>  </a:t>
             </a:r>
             <a:r>
               <a:rPr lang="en-US" sz="5400" b="1" dirty="0">
@@ -18443,7 +18453,7 @@
                   <a:schemeClr val="bg1"/>
                 </a:solidFill>
               </a:rPr>
-              <a:t>Background</a:t>
+              <a:t>  Background</a:t>
             </a:r>
             <a:endParaRPr lang="en-US" sz="4000" b="1" dirty="0">
               <a:solidFill>
@@ -19418,7 +19428,7 @@
                   <a:schemeClr val="bg1"/>
                 </a:solidFill>
               </a:rPr>
-              <a:t>Background Cont.</a:t>
+              <a:t>  Background Cont.</a:t>
             </a:r>
             <a:endParaRPr lang="en-US" sz="4000" b="1" dirty="0">
               <a:solidFill>
@@ -20169,7 +20179,7 @@
                 </a:solidFill>
                 <a:latin typeface="Times New Roman" panose="02020603050405020304" pitchFamily="18" charset="0"/>
               </a:rPr>
-              <a:t> </a:t>
+              <a:t>  </a:t>
             </a:r>
             <a:r>
               <a:rPr lang="en-US" sz="4000" dirty="0">
@@ -20284,7 +20294,7 @@
                 <a:latin typeface="Times New Roman" panose="02020603050405020304" pitchFamily="18" charset="0"/>
                 <a:cs typeface="Times New Roman" panose="02020603050405020304" pitchFamily="18" charset="0"/>
               </a:rPr>
-              <a:t>2) Preprocessing and Exploratory Data Analysis </a:t>
+              <a:t>  2) Preprocessing and Exploratory Data Analysis </a:t>
             </a:r>
             <a:br>
               <a:rPr lang="en-US" i="0" u="none" strike="noStrike" baseline="0" dirty="0">
@@ -20580,7 +20590,7 @@
               </a:rPr>
             </a:br>
             <a:r>
-              <a:rPr lang="en-US" i="0" u="none" strike="noStrike" baseline="0" dirty="0">
+              <a:rPr lang="en-US" dirty="0">
                 <a:solidFill>
                   <a:schemeClr val="bg1"/>
                 </a:solidFill>
